--- a/Day 3/Slides/10. Using Static Members/using-static-members-slides.pptx
+++ b/Day 3/Slides/10. Using Static Members/using-static-members-slides.pptx
@@ -5,33 +5,33 @@
     <p:sldMasterId id="2147483648" r:id="rId1"/>
   </p:sldMasterIdLst>
   <p:notesMasterIdLst>
-    <p:notesMasterId r:id="rId27"/>
+    <p:notesMasterId r:id="rId26"/>
   </p:notesMasterIdLst>
   <p:sldIdLst>
-    <p:sldId id="256" r:id="rId3"/>
-    <p:sldId id="257" r:id="rId4"/>
-    <p:sldId id="258" r:id="rId5"/>
-    <p:sldId id="259" r:id="rId6"/>
-    <p:sldId id="260" r:id="rId7"/>
-    <p:sldId id="261" r:id="rId8"/>
-    <p:sldId id="262" r:id="rId9"/>
-    <p:sldId id="263" r:id="rId10"/>
-    <p:sldId id="277" r:id="rId11"/>
-    <p:sldId id="278" r:id="rId12"/>
-    <p:sldId id="279" r:id="rId13"/>
-    <p:sldId id="264" r:id="rId14"/>
-    <p:sldId id="265" r:id="rId15"/>
-    <p:sldId id="266" r:id="rId16"/>
-    <p:sldId id="267" r:id="rId17"/>
-    <p:sldId id="268" r:id="rId18"/>
-    <p:sldId id="269" r:id="rId19"/>
-    <p:sldId id="270" r:id="rId20"/>
-    <p:sldId id="271" r:id="rId21"/>
-    <p:sldId id="272" r:id="rId22"/>
-    <p:sldId id="273" r:id="rId23"/>
-    <p:sldId id="274" r:id="rId24"/>
-    <p:sldId id="275" r:id="rId25"/>
-    <p:sldId id="276" r:id="rId26"/>
+    <p:sldId id="256" r:id="rId2"/>
+    <p:sldId id="257" r:id="rId3"/>
+    <p:sldId id="258" r:id="rId4"/>
+    <p:sldId id="259" r:id="rId5"/>
+    <p:sldId id="260" r:id="rId6"/>
+    <p:sldId id="261" r:id="rId7"/>
+    <p:sldId id="262" r:id="rId8"/>
+    <p:sldId id="263" r:id="rId9"/>
+    <p:sldId id="277" r:id="rId10"/>
+    <p:sldId id="278" r:id="rId11"/>
+    <p:sldId id="279" r:id="rId12"/>
+    <p:sldId id="264" r:id="rId13"/>
+    <p:sldId id="265" r:id="rId14"/>
+    <p:sldId id="266" r:id="rId15"/>
+    <p:sldId id="267" r:id="rId16"/>
+    <p:sldId id="268" r:id="rId17"/>
+    <p:sldId id="269" r:id="rId18"/>
+    <p:sldId id="270" r:id="rId19"/>
+    <p:sldId id="271" r:id="rId20"/>
+    <p:sldId id="272" r:id="rId21"/>
+    <p:sldId id="273" r:id="rId22"/>
+    <p:sldId id="274" r:id="rId23"/>
+    <p:sldId id="275" r:id="rId24"/>
+    <p:sldId id="276" r:id="rId25"/>
   </p:sldIdLst>
   <p:sldSz cx="12192000" cy="6858000"/>
   <p:notesSz cx="12192000" cy="6858000"/>
@@ -127,6 +127,22 @@
       </a:defRPr>
     </a:lvl9pPr>
   </p:defaultTextStyle>
+  <p:extLst>
+    <p:ext uri="{EFAFB233-063F-42B5-8137-9DF3F51BA10A}">
+      <p15:sldGuideLst xmlns:p15="http://schemas.microsoft.com/office/powerpoint/2012/main">
+        <p15:guide id="1" orient="horz" pos="2880">
+          <p15:clr>
+            <a:srgbClr val="A4A3A4"/>
+          </p15:clr>
+        </p15:guide>
+        <p15:guide id="2" pos="2160">
+          <p15:clr>
+            <a:srgbClr val="A4A3A4"/>
+          </p15:clr>
+        </p15:guide>
+      </p15:sldGuideLst>
+    </p:ext>
+  </p:extLst>
 </p:presentation>
 </file>
 
@@ -212,6 +228,7 @@
           <a:p>
             <a:fld id="{3EFD42F7-718C-4B98-AAEC-167E6DDD60A7}" type="datetimeFigureOut">
               <a:rPr lang="en-US" smtClean="0"/>
+              <a:t>6/26/2024</a:t>
             </a:fld>
             <a:endParaRPr lang="en-US"/>
           </a:p>
@@ -275,42 +292,37 @@
           <a:p>
             <a:pPr lvl="0"/>
             <a:r>
-              <a:rPr lang="en-US" smtClean="0"/>
+              <a:rPr lang="en-US"/>
               <a:t>Click to edit Master text styles</a:t>
             </a:r>
-            <a:endParaRPr lang="en-US" smtClean="0"/>
           </a:p>
           <a:p>
             <a:pPr lvl="1"/>
             <a:r>
-              <a:rPr lang="en-US" smtClean="0"/>
+              <a:rPr lang="en-US"/>
               <a:t>Second level</a:t>
             </a:r>
-            <a:endParaRPr lang="en-US" smtClean="0"/>
           </a:p>
           <a:p>
             <a:pPr lvl="2"/>
             <a:r>
-              <a:rPr lang="en-US" smtClean="0"/>
+              <a:rPr lang="en-US"/>
               <a:t>Third level</a:t>
             </a:r>
-            <a:endParaRPr lang="en-US" smtClean="0"/>
           </a:p>
           <a:p>
             <a:pPr lvl="3"/>
             <a:r>
-              <a:rPr lang="en-US" smtClean="0"/>
+              <a:rPr lang="en-US"/>
               <a:t>Fourth level</a:t>
             </a:r>
-            <a:endParaRPr lang="en-US" smtClean="0"/>
           </a:p>
           <a:p>
             <a:pPr lvl="4"/>
             <a:r>
-              <a:rPr lang="en-US" smtClean="0"/>
+              <a:rPr lang="en-US"/>
               <a:t>Fifth level</a:t>
             </a:r>
-            <a:endParaRPr lang="en-US"/>
           </a:p>
         </p:txBody>
       </p:sp>
@@ -374,6 +386,7 @@
           <a:p>
             <a:fld id="{21B2AA4F-B828-4D7C-AFD3-893933DAFCB4}" type="slidenum">
               <a:rPr lang="en-US" smtClean="0"/>
+              <a:t>‹#›</a:t>
             </a:fld>
             <a:endParaRPr lang="en-US"/>
           </a:p>
@@ -522,7 +535,9 @@
               <a:defRPr/>
             </a:lvl1pPr>
           </a:lstStyle>
-          <a:p/>
+          <a:p>
+            <a:endParaRPr/>
+          </a:p>
         </p:txBody>
       </p:sp>
       <p:sp>
@@ -553,7 +568,9 @@
               <a:defRPr/>
             </a:lvl1pPr>
           </a:lstStyle>
-          <a:p/>
+          <a:p>
+            <a:endParaRPr/>
+          </a:p>
         </p:txBody>
       </p:sp>
       <p:sp>
@@ -580,7 +597,9 @@
               </a:defRPr>
             </a:lvl1pPr>
           </a:lstStyle>
-          <a:p/>
+          <a:p>
+            <a:endParaRPr/>
+          </a:p>
         </p:txBody>
       </p:sp>
       <p:sp>
@@ -610,6 +629,7 @@
           <a:p>
             <a:fld id="{1D8BD707-D9CF-40AE-B4C6-C98DA3205C09}" type="datetimeFigureOut">
               <a:rPr lang="en-US"/>
+              <a:t>6/26/2024</a:t>
             </a:fld>
             <a:endParaRPr lang="en-US"/>
           </a:p>
@@ -642,6 +662,7 @@
           <a:p>
             <a:fld id="{B6F15528-21DE-4FAA-801E-634DDDAF4B2B}" type="slidenum">
               <a:rPr/>
+              <a:t>‹#›</a:t>
             </a:fld>
             <a:endParaRPr/>
           </a:p>
@@ -697,7 +718,9 @@
               </a:defRPr>
             </a:lvl1pPr>
           </a:lstStyle>
-          <a:p/>
+          <a:p>
+            <a:endParaRPr/>
+          </a:p>
         </p:txBody>
       </p:sp>
       <p:sp>
@@ -724,7 +747,9 @@
               </a:defRPr>
             </a:lvl1pPr>
           </a:lstStyle>
-          <a:p/>
+          <a:p>
+            <a:endParaRPr/>
+          </a:p>
         </p:txBody>
       </p:sp>
       <p:sp>
@@ -751,7 +776,9 @@
               </a:defRPr>
             </a:lvl1pPr>
           </a:lstStyle>
-          <a:p/>
+          <a:p>
+            <a:endParaRPr/>
+          </a:p>
         </p:txBody>
       </p:sp>
       <p:sp>
@@ -781,6 +808,7 @@
           <a:p>
             <a:fld id="{1D8BD707-D9CF-40AE-B4C6-C98DA3205C09}" type="datetimeFigureOut">
               <a:rPr lang="en-US"/>
+              <a:t>6/26/2024</a:t>
             </a:fld>
             <a:endParaRPr lang="en-US"/>
           </a:p>
@@ -813,6 +841,7 @@
           <a:p>
             <a:fld id="{B6F15528-21DE-4FAA-801E-634DDDAF4B2B}" type="slidenum">
               <a:rPr/>
+              <a:t>‹#›</a:t>
             </a:fld>
             <a:endParaRPr/>
           </a:p>
@@ -868,7 +897,9 @@
               </a:defRPr>
             </a:lvl1pPr>
           </a:lstStyle>
-          <a:p/>
+          <a:p>
+            <a:endParaRPr/>
+          </a:p>
         </p:txBody>
       </p:sp>
       <p:sp>
@@ -899,7 +930,9 @@
               <a:defRPr/>
             </a:lvl1pPr>
           </a:lstStyle>
-          <a:p/>
+          <a:p>
+            <a:endParaRPr/>
+          </a:p>
         </p:txBody>
       </p:sp>
       <p:sp>
@@ -930,7 +963,9 @@
               <a:defRPr/>
             </a:lvl1pPr>
           </a:lstStyle>
-          <a:p/>
+          <a:p>
+            <a:endParaRPr/>
+          </a:p>
         </p:txBody>
       </p:sp>
       <p:sp>
@@ -957,7 +992,9 @@
               </a:defRPr>
             </a:lvl1pPr>
           </a:lstStyle>
-          <a:p/>
+          <a:p>
+            <a:endParaRPr/>
+          </a:p>
         </p:txBody>
       </p:sp>
       <p:sp>
@@ -987,6 +1024,7 @@
           <a:p>
             <a:fld id="{1D8BD707-D9CF-40AE-B4C6-C98DA3205C09}" type="datetimeFigureOut">
               <a:rPr lang="en-US"/>
+              <a:t>6/26/2024</a:t>
             </a:fld>
             <a:endParaRPr lang="en-US"/>
           </a:p>
@@ -1019,6 +1057,7 @@
           <a:p>
             <a:fld id="{B6F15528-21DE-4FAA-801E-634DDDAF4B2B}" type="slidenum">
               <a:rPr/>
+              <a:t>‹#›</a:t>
             </a:fld>
             <a:endParaRPr/>
           </a:p>
@@ -1074,7 +1113,9 @@
               </a:defRPr>
             </a:lvl1pPr>
           </a:lstStyle>
-          <a:p/>
+          <a:p>
+            <a:endParaRPr/>
+          </a:p>
         </p:txBody>
       </p:sp>
       <p:sp>
@@ -1101,7 +1142,9 @@
               </a:defRPr>
             </a:lvl1pPr>
           </a:lstStyle>
-          <a:p/>
+          <a:p>
+            <a:endParaRPr/>
+          </a:p>
         </p:txBody>
       </p:sp>
       <p:sp>
@@ -1131,6 +1174,7 @@
           <a:p>
             <a:fld id="{1D8BD707-D9CF-40AE-B4C6-C98DA3205C09}" type="datetimeFigureOut">
               <a:rPr lang="en-US"/>
+              <a:t>6/26/2024</a:t>
             </a:fld>
             <a:endParaRPr lang="en-US"/>
           </a:p>
@@ -1163,6 +1207,7 @@
           <a:p>
             <a:fld id="{B6F15528-21DE-4FAA-801E-634DDDAF4B2B}" type="slidenum">
               <a:rPr/>
+              <a:t>‹#›</a:t>
             </a:fld>
             <a:endParaRPr/>
           </a:p>
@@ -1218,7 +1263,9 @@
               </a:defRPr>
             </a:lvl1pPr>
           </a:lstStyle>
-          <a:p/>
+          <a:p>
+            <a:endParaRPr/>
+          </a:p>
         </p:txBody>
       </p:sp>
       <p:sp>
@@ -1248,6 +1295,7 @@
           <a:p>
             <a:fld id="{1D8BD707-D9CF-40AE-B4C6-C98DA3205C09}" type="datetimeFigureOut">
               <a:rPr lang="en-US"/>
+              <a:t>6/26/2024</a:t>
             </a:fld>
             <a:endParaRPr lang="en-US"/>
           </a:p>
@@ -1280,6 +1328,7 @@
           <a:p>
             <a:fld id="{B6F15528-21DE-4FAA-801E-634DDDAF4B2B}" type="slidenum">
               <a:rPr/>
+              <a:t>‹#›</a:t>
             </a:fld>
             <a:endParaRPr/>
           </a:p>
@@ -1364,7 +1413,9 @@
         <p:txBody>
           <a:bodyPr wrap="square" lIns="0" tIns="0" rIns="0" bIns="0" rtlCol="0"/>
           <a:lstStyle/>
-          <a:p/>
+          <a:p>
+            <a:endParaRPr/>
+          </a:p>
         </p:txBody>
       </p:sp>
       <p:pic>
@@ -1374,7 +1425,7 @@
           <p:nvPr/>
         </p:nvPicPr>
         <p:blipFill>
-          <a:blip r:embed="rId6" cstate="print"/>
+          <a:blip r:embed="rId7" cstate="print"/>
           <a:stretch>
             <a:fillRect/>
           </a:stretch>
@@ -1446,7 +1497,9 @@
         <p:txBody>
           <a:bodyPr wrap="square" lIns="0" tIns="0" rIns="0" bIns="0" rtlCol="0"/>
           <a:lstStyle/>
-          <a:p/>
+          <a:p>
+            <a:endParaRPr/>
+          </a:p>
         </p:txBody>
       </p:sp>
       <p:sp>
@@ -1483,7 +1536,9 @@
               </a:defRPr>
             </a:lvl1pPr>
           </a:lstStyle>
-          <a:p/>
+          <a:p>
+            <a:endParaRPr/>
+          </a:p>
         </p:txBody>
       </p:sp>
       <p:sp>
@@ -1520,7 +1575,9 @@
               </a:defRPr>
             </a:lvl1pPr>
           </a:lstStyle>
-          <a:p/>
+          <a:p>
+            <a:endParaRPr/>
+          </a:p>
         </p:txBody>
       </p:sp>
       <p:sp>
@@ -1557,7 +1614,9 @@
               </a:defRPr>
             </a:lvl1pPr>
           </a:lstStyle>
-          <a:p/>
+          <a:p>
+            <a:endParaRPr/>
+          </a:p>
         </p:txBody>
       </p:sp>
       <p:sp>
@@ -1597,6 +1656,7 @@
           <a:p>
             <a:fld id="{1D8BD707-D9CF-40AE-B4C6-C98DA3205C09}" type="datetimeFigureOut">
               <a:rPr lang="en-US"/>
+              <a:t>6/26/2024</a:t>
             </a:fld>
             <a:endParaRPr lang="en-US"/>
           </a:p>
@@ -1639,6 +1699,7 @@
           <a:p>
             <a:fld id="{B6F15528-21DE-4FAA-801E-634DDDAF4B2B}" type="slidenum">
               <a:rPr/>
+              <a:t>‹#›</a:t>
             </a:fld>
             <a:endParaRPr/>
           </a:p>
@@ -1862,7 +1923,9 @@
           <p:txBody>
             <a:bodyPr wrap="square" lIns="0" tIns="0" rIns="0" bIns="0" rtlCol="0"/>
             <a:lstStyle/>
-            <a:p/>
+            <a:p>
+              <a:endParaRPr/>
+            </a:p>
           </p:txBody>
         </p:sp>
         <p:pic>
@@ -1872,7 +1935,7 @@
             <p:nvPr/>
           </p:nvPicPr>
           <p:blipFill>
-            <a:blip r:embed="rId1" cstate="print"/>
+            <a:blip r:embed="rId2" cstate="print"/>
             <a:stretch>
               <a:fillRect/>
             </a:stretch>
@@ -2059,17 +2122,7 @@
                 <a:latin typeface="Verdana" panose="020B0604030504040204"/>
                 <a:cs typeface="Verdana" panose="020B0604030504040204"/>
               </a:rPr>
-              <a:t>em</a:t>
-            </a:r>
-            <a:r>
-              <a:rPr sz="4500" spc="-95" dirty="0">
-                <a:solidFill>
-                  <a:srgbClr val="171717"/>
-                </a:solidFill>
-                <a:latin typeface="Verdana" panose="020B0604030504040204"/>
-                <a:cs typeface="Verdana" panose="020B0604030504040204"/>
-              </a:rPr>
-              <a:t>b</a:t>
+              <a:t>emb</a:t>
             </a:r>
             <a:r>
               <a:rPr sz="4500" spc="-190" dirty="0">
@@ -2121,9 +2174,11 @@
         <p:spPr/>
         <p:txBody>
           <a:bodyPr/>
+          <a:lstStyle/>
           <a:p>
             <a:fld id="{B6F15528-21DE-4FAA-801E-634DDDAF4B2B}" type="slidenum">
               <a:rPr/>
+              <a:t>1</a:t>
             </a:fld>
             <a:endParaRPr/>
           </a:p>
@@ -2146,7 +2201,14 @@
         <p:cNvGrpSpPr/>
         <p:nvPr/>
       </p:nvGrpSpPr>
-      <p:grpSpPr/>
+      <p:grpSpPr>
+        <a:xfrm>
+          <a:off x="0" y="0"/>
+          <a:ext cx="0" cy="0"/>
+          <a:chOff x="0" y="0"/>
+          <a:chExt cx="0" cy="0"/>
+        </a:xfrm>
+      </p:grpSpPr>
       <p:sp>
         <p:nvSpPr>
           <p:cNvPr id="6" name="Title 5"/>
@@ -2160,6 +2222,7 @@
         <p:spPr/>
         <p:txBody>
           <a:bodyPr/>
+          <a:lstStyle/>
           <a:p>
             <a:endParaRPr lang="en-US"/>
           </a:p>
@@ -2178,29 +2241,13 @@
         <p:spPr/>
         <p:txBody>
           <a:bodyPr/>
+          <a:lstStyle/>
           <a:p>
             <a:fld id="{B6F15528-21DE-4FAA-801E-634DDDAF4B2B}" type="slidenum">
               <a:rPr/>
+              <a:t>10</a:t>
             </a:fld>
             <a:endParaRPr/>
-          </a:p>
-        </p:txBody>
-      </p:sp>
-      <p:sp>
-        <p:nvSpPr>
-          <p:cNvPr id="7" name="Content Placeholder 6"/>
-          <p:cNvSpPr>
-            <a:spLocks noGrp="1"/>
-          </p:cNvSpPr>
-          <p:nvPr>
-            <p:ph sz="half" idx="3"/>
-          </p:nvPr>
-        </p:nvSpPr>
-        <p:spPr/>
-        <p:txBody>
-          <a:bodyPr/>
-          <a:p>
-            <a:endParaRPr lang="en-US"/>
           </a:p>
         </p:txBody>
       </p:sp>
@@ -2208,14 +2255,14 @@
         <p:nvPicPr>
           <p:cNvPr id="5" name="Content Placeholder 4"/>
           <p:cNvPicPr>
-            <a:picLocks noChangeAspect="1"/>
+            <a:picLocks noGrp="1" noChangeAspect="1"/>
           </p:cNvPicPr>
           <p:nvPr>
             <p:ph sz="half" idx="2"/>
           </p:nvPr>
         </p:nvPicPr>
         <p:blipFill>
-          <a:blip r:embed="rId1"/>
+          <a:blip r:embed="rId2"/>
           <a:stretch>
             <a:fillRect/>
           </a:stretch>
@@ -2247,7 +2294,14 @@
         <p:cNvGrpSpPr/>
         <p:nvPr/>
       </p:nvGrpSpPr>
-      <p:grpSpPr/>
+      <p:grpSpPr>
+        <a:xfrm>
+          <a:off x="0" y="0"/>
+          <a:ext cx="0" cy="0"/>
+          <a:chOff x="0" y="0"/>
+          <a:chExt cx="0" cy="0"/>
+        </a:xfrm>
+      </p:grpSpPr>
       <p:sp>
         <p:nvSpPr>
           <p:cNvPr id="6" name="Title 5"/>
@@ -2261,6 +2315,7 @@
         <p:spPr/>
         <p:txBody>
           <a:bodyPr/>
+          <a:lstStyle/>
           <a:p>
             <a:endParaRPr lang="en-US"/>
           </a:p>
@@ -2279,29 +2334,13 @@
         <p:spPr/>
         <p:txBody>
           <a:bodyPr/>
+          <a:lstStyle/>
           <a:p>
             <a:fld id="{B6F15528-21DE-4FAA-801E-634DDDAF4B2B}" type="slidenum">
               <a:rPr/>
+              <a:t>11</a:t>
             </a:fld>
             <a:endParaRPr/>
-          </a:p>
-        </p:txBody>
-      </p:sp>
-      <p:sp>
-        <p:nvSpPr>
-          <p:cNvPr id="7" name="Content Placeholder 6"/>
-          <p:cNvSpPr>
-            <a:spLocks noGrp="1"/>
-          </p:cNvSpPr>
-          <p:nvPr>
-            <p:ph sz="half" idx="3"/>
-          </p:nvPr>
-        </p:nvSpPr>
-        <p:spPr/>
-        <p:txBody>
-          <a:bodyPr/>
-          <a:p>
-            <a:endParaRPr lang="en-US"/>
           </a:p>
         </p:txBody>
       </p:sp>
@@ -2309,14 +2348,14 @@
         <p:nvPicPr>
           <p:cNvPr id="5" name="Content Placeholder 4"/>
           <p:cNvPicPr>
-            <a:picLocks noChangeAspect="1"/>
+            <a:picLocks noGrp="1" noChangeAspect="1"/>
           </p:cNvPicPr>
           <p:nvPr>
             <p:ph sz="half" idx="2"/>
           </p:nvPr>
         </p:nvPicPr>
         <p:blipFill>
-          <a:blip r:embed="rId1"/>
+          <a:blip r:embed="rId2"/>
           <a:stretch>
             <a:fillRect/>
           </a:stretch>
@@ -3342,7 +3381,9 @@
         <p:txBody>
           <a:bodyPr wrap="square" lIns="0" tIns="0" rIns="0" bIns="0" rtlCol="0"/>
           <a:lstStyle/>
-          <a:p/>
+          <a:p>
+            <a:endParaRPr/>
+          </a:p>
         </p:txBody>
       </p:sp>
       <p:sp>
@@ -3644,7 +3685,9 @@
         <p:txBody>
           <a:bodyPr wrap="square" lIns="0" tIns="0" rIns="0" bIns="0" rtlCol="0"/>
           <a:lstStyle/>
-          <a:p/>
+          <a:p>
+            <a:endParaRPr/>
+          </a:p>
         </p:txBody>
       </p:sp>
       <p:sp>
@@ -3852,7 +3895,9 @@
           <p:txBody>
             <a:bodyPr wrap="square" lIns="0" tIns="0" rIns="0" bIns="0" rtlCol="0"/>
             <a:lstStyle/>
-            <a:p/>
+            <a:p>
+              <a:endParaRPr/>
+            </a:p>
           </p:txBody>
         </p:sp>
         <p:sp>
@@ -3902,7 +3947,9 @@
           <p:txBody>
             <a:bodyPr wrap="square" lIns="0" tIns="0" rIns="0" bIns="0" rtlCol="0"/>
             <a:lstStyle/>
-            <a:p/>
+            <a:p>
+              <a:endParaRPr/>
+            </a:p>
           </p:txBody>
         </p:sp>
         <p:sp>
@@ -4112,7 +4159,9 @@
           <p:txBody>
             <a:bodyPr wrap="square" lIns="0" tIns="0" rIns="0" bIns="0" rtlCol="0"/>
             <a:lstStyle/>
-            <a:p/>
+            <a:p>
+              <a:endParaRPr/>
+            </a:p>
           </p:txBody>
         </p:sp>
         <p:sp>
@@ -4160,7 +4209,9 @@
           <p:txBody>
             <a:bodyPr wrap="square" lIns="0" tIns="0" rIns="0" bIns="0" rtlCol="0"/>
             <a:lstStyle/>
-            <a:p/>
+            <a:p>
+              <a:endParaRPr/>
+            </a:p>
           </p:txBody>
         </p:sp>
         <p:sp>
@@ -4210,7 +4261,9 @@
           <p:txBody>
             <a:bodyPr wrap="square" lIns="0" tIns="0" rIns="0" bIns="0" rtlCol="0"/>
             <a:lstStyle/>
-            <a:p/>
+            <a:p>
+              <a:endParaRPr/>
+            </a:p>
           </p:txBody>
         </p:sp>
         <p:sp>
@@ -4420,7 +4473,9 @@
           <p:txBody>
             <a:bodyPr wrap="square" lIns="0" tIns="0" rIns="0" bIns="0" rtlCol="0"/>
             <a:lstStyle/>
-            <a:p/>
+            <a:p>
+              <a:endParaRPr/>
+            </a:p>
           </p:txBody>
         </p:sp>
       </p:grpSp>
@@ -4507,17 +4562,7 @@
                 <a:latin typeface="Courier New" panose="02070309020205020404"/>
                 <a:cs typeface="Courier New" panose="02070309020205020404"/>
               </a:rPr>
-              <a:t>df</a:t>
-            </a:r>
-            <a:r>
-              <a:rPr sz="2000" spc="-5" dirty="0">
-                <a:solidFill>
-                  <a:srgbClr val="2A9FBC"/>
-                </a:solidFill>
-                <a:latin typeface="Courier New" panose="02070309020205020404"/>
-                <a:cs typeface="Courier New" panose="02070309020205020404"/>
-              </a:rPr>
-              <a:t>wToNyc</a:t>
+              <a:t>dfwToNyc</a:t>
             </a:r>
             <a:endParaRPr sz="2000">
               <a:latin typeface="Courier New" panose="02070309020205020404"/>
@@ -4613,7 +4658,6 @@
               <a:rPr spc="-5" dirty="0"/>
               <a:t>Flight.allPassengers</a:t>
             </a:r>
-            <a:endParaRPr spc="-5" dirty="0"/>
           </a:p>
         </p:txBody>
       </p:sp>
@@ -4718,13 +4762,6 @@
               </a:rPr>
               <a:t>3</a:t>
             </a:r>
-            <a:endParaRPr lang="en-US" sz="2000" dirty="0">
-              <a:solidFill>
-                <a:srgbClr val="404040"/>
-              </a:solidFill>
-              <a:latin typeface="Courier New" panose="02070309020205020404"/>
-              <a:cs typeface="Courier New" panose="02070309020205020404"/>
-            </a:endParaRPr>
           </a:p>
         </p:txBody>
       </p:sp>
@@ -4741,9 +4778,11 @@
         <p:spPr/>
         <p:txBody>
           <a:bodyPr/>
+          <a:lstStyle/>
           <a:p>
             <a:fld id="{B6F15528-21DE-4FAA-801E-634DDDAF4B2B}" type="slidenum">
               <a:rPr/>
+              <a:t>12</a:t>
             </a:fld>
             <a:endParaRPr/>
           </a:p>
@@ -4811,7 +4850,9 @@
         <p:txBody>
           <a:bodyPr wrap="square" lIns="0" tIns="0" rIns="0" bIns="0" rtlCol="0"/>
           <a:lstStyle/>
-          <a:p/>
+          <a:p>
+            <a:endParaRPr/>
+          </a:p>
         </p:txBody>
       </p:sp>
       <p:sp>
@@ -5670,9 +5711,11 @@
         <p:spPr/>
         <p:txBody>
           <a:bodyPr/>
+          <a:lstStyle/>
           <a:p>
             <a:fld id="{B6F15528-21DE-4FAA-801E-634DDDAF4B2B}" type="slidenum">
               <a:rPr/>
+              <a:t>13</a:t>
             </a:fld>
             <a:endParaRPr/>
           </a:p>
@@ -5796,11 +5839,6 @@
               </a:rPr>
               <a:t>;</a:t>
             </a:r>
-            <a:endParaRPr spc="-5" dirty="0">
-              <a:solidFill>
-                <a:srgbClr val="FFFFFF"/>
-              </a:solidFill>
-            </a:endParaRPr>
           </a:p>
         </p:txBody>
       </p:sp>
@@ -6289,7 +6327,9 @@
         <p:txBody>
           <a:bodyPr wrap="square" lIns="0" tIns="0" rIns="0" bIns="0" rtlCol="0"/>
           <a:lstStyle/>
-          <a:p/>
+          <a:p>
+            <a:endParaRPr/>
+          </a:p>
         </p:txBody>
       </p:sp>
       <p:sp>
@@ -6305,9 +6345,11 @@
         <p:spPr/>
         <p:txBody>
           <a:bodyPr/>
+          <a:lstStyle/>
           <a:p>
             <a:fld id="{B6F15528-21DE-4FAA-801E-634DDDAF4B2B}" type="slidenum">
               <a:rPr/>
+              <a:t>14</a:t>
             </a:fld>
             <a:endParaRPr/>
           </a:p>
@@ -6350,7 +6392,7 @@
         </p:nvSpPr>
         <p:spPr>
           <a:xfrm>
-            <a:off x="353059" y="906779"/>
+            <a:off x="296692" y="897435"/>
             <a:ext cx="10084435" cy="863600"/>
           </a:xfrm>
           <a:prstGeom prst="rect">
@@ -6396,30 +6438,41 @@
               <a:t> </a:t>
             </a:r>
             <a:r>
+              <a:rPr spc="-5" dirty="0" err="1">
+                <a:solidFill>
+                  <a:srgbClr val="FFFFFF"/>
+                </a:solidFill>
+              </a:rPr>
+              <a:t>com.</a:t>
+            </a:r>
+            <a:r>
+              <a:rPr lang="en-US" spc="-5" dirty="0" err="1">
+                <a:solidFill>
+                  <a:srgbClr val="FFFFFF"/>
+                </a:solidFill>
+              </a:rPr>
+              <a:t>mycompany</a:t>
+            </a:r>
+            <a:r>
+              <a:rPr spc="-5" dirty="0" err="1">
+                <a:solidFill>
+                  <a:srgbClr val="FFFFFF"/>
+                </a:solidFill>
+              </a:rPr>
+              <a:t>.flightapp.Flight.</a:t>
+            </a:r>
+            <a:r>
+              <a:rPr spc="-5" dirty="0" err="1"/>
+              <a:t>resetAllPassengers</a:t>
+            </a:r>
+            <a:r>
               <a:rPr spc="-5" dirty="0">
                 <a:solidFill>
                   <a:srgbClr val="FFFFFF"/>
                 </a:solidFill>
               </a:rPr>
-              <a:t>com.pluralsight.flightapp.Flight.</a:t>
-            </a:r>
-            <a:r>
-              <a:rPr spc="-5" dirty="0"/>
-              <a:t>resetAllPassengers</a:t>
-            </a:r>
-            <a:r>
-              <a:rPr spc="-5" dirty="0">
-                <a:solidFill>
-                  <a:srgbClr val="FFFFFF"/>
-                </a:solidFill>
-              </a:rPr>
               <a:t>;</a:t>
             </a:r>
-            <a:endParaRPr spc="-5" dirty="0">
-              <a:solidFill>
-                <a:srgbClr val="FFFFFF"/>
-              </a:solidFill>
-            </a:endParaRPr>
           </a:p>
           <a:p>
             <a:pPr marL="12700">
@@ -6455,30 +6508,41 @@
               <a:t> </a:t>
             </a:r>
             <a:r>
+              <a:rPr spc="-5" dirty="0" err="1">
+                <a:solidFill>
+                  <a:srgbClr val="FFFFFF"/>
+                </a:solidFill>
+              </a:rPr>
+              <a:t>com.</a:t>
+            </a:r>
+            <a:r>
+              <a:rPr lang="en-US" spc="-5" dirty="0" err="1">
+                <a:solidFill>
+                  <a:srgbClr val="FFFFFF"/>
+                </a:solidFill>
+              </a:rPr>
+              <a:t>mycompany</a:t>
+            </a:r>
+            <a:r>
+              <a:rPr spc="-5" dirty="0" err="1">
+                <a:solidFill>
+                  <a:srgbClr val="FFFFFF"/>
+                </a:solidFill>
+              </a:rPr>
+              <a:t>.flightapp.Flight.</a:t>
+            </a:r>
+            <a:r>
+              <a:rPr spc="-5" dirty="0" err="1"/>
+              <a:t>getAllPassengers</a:t>
+            </a:r>
+            <a:r>
               <a:rPr spc="-5" dirty="0">
                 <a:solidFill>
                   <a:srgbClr val="FFFFFF"/>
                 </a:solidFill>
               </a:rPr>
-              <a:t>com.pluralsight.flightapp.Flight.</a:t>
-            </a:r>
-            <a:r>
-              <a:rPr spc="-5" dirty="0"/>
-              <a:t>getAllPassengers</a:t>
-            </a:r>
-            <a:r>
-              <a:rPr spc="-5" dirty="0">
-                <a:solidFill>
-                  <a:srgbClr val="FFFFFF"/>
-                </a:solidFill>
-              </a:rPr>
               <a:t>;</a:t>
             </a:r>
-            <a:endParaRPr spc="-5" dirty="0">
-              <a:solidFill>
-                <a:srgbClr val="FFFFFF"/>
-              </a:solidFill>
-            </a:endParaRPr>
           </a:p>
         </p:txBody>
       </p:sp>
@@ -6531,7 +6595,7 @@
               </a:rPr>
               <a:t>();</a:t>
             </a:r>
-            <a:endParaRPr sz="2000">
+            <a:endParaRPr sz="2000" dirty="0">
               <a:latin typeface="Courier New" panose="02070309020205020404"/>
               <a:cs typeface="Courier New" panose="02070309020205020404"/>
             </a:endParaRPr>
@@ -6685,7 +6749,7 @@
               </a:rPr>
               <a:t>();</a:t>
             </a:r>
-            <a:endParaRPr sz="2000">
+            <a:endParaRPr sz="2000" dirty="0">
               <a:latin typeface="Courier New" panose="02070309020205020404"/>
               <a:cs typeface="Courier New" panose="02070309020205020404"/>
             </a:endParaRPr>
@@ -6789,7 +6853,7 @@
               </a:rPr>
               <a:t>();</a:t>
             </a:r>
-            <a:endParaRPr sz="2000">
+            <a:endParaRPr sz="2000" dirty="0">
               <a:latin typeface="Courier New" panose="02070309020205020404"/>
               <a:cs typeface="Courier New" panose="02070309020205020404"/>
             </a:endParaRPr>
@@ -6803,7 +6867,7 @@
                 <a:spcPts val="50"/>
               </a:spcBef>
             </a:pPr>
-            <a:endParaRPr sz="2600">
+            <a:endParaRPr sz="2600" dirty="0">
               <a:latin typeface="Courier New" panose="02070309020205020404"/>
               <a:cs typeface="Courier New" panose="02070309020205020404"/>
             </a:endParaRPr>
@@ -6857,7 +6921,7 @@
               </a:rPr>
               <a:t>());</a:t>
             </a:r>
-            <a:endParaRPr sz="2000">
+            <a:endParaRPr sz="2000" dirty="0">
               <a:latin typeface="Courier New" panose="02070309020205020404"/>
               <a:cs typeface="Courier New" panose="02070309020205020404"/>
             </a:endParaRPr>
@@ -6971,7 +7035,9 @@
           <p:txBody>
             <a:bodyPr wrap="square" lIns="0" tIns="0" rIns="0" bIns="0" rtlCol="0"/>
             <a:lstStyle/>
-            <a:p/>
+            <a:p>
+              <a:endParaRPr/>
+            </a:p>
           </p:txBody>
         </p:sp>
         <p:sp>
@@ -7021,7 +7087,9 @@
           <p:txBody>
             <a:bodyPr wrap="square" lIns="0" tIns="0" rIns="0" bIns="0" rtlCol="0"/>
             <a:lstStyle/>
-            <a:p/>
+            <a:p>
+              <a:endParaRPr/>
+            </a:p>
           </p:txBody>
         </p:sp>
       </p:grpSp>
@@ -7038,9 +7106,11 @@
         <p:spPr/>
         <p:txBody>
           <a:bodyPr/>
+          <a:lstStyle/>
           <a:p>
             <a:fld id="{B6F15528-21DE-4FAA-801E-634DDDAF4B2B}" type="slidenum">
               <a:rPr/>
+              <a:t>15</a:t>
             </a:fld>
             <a:endParaRPr/>
           </a:p>
@@ -7134,7 +7204,23 @@
                   <a:srgbClr val="FFFFFF"/>
                 </a:solidFill>
               </a:rPr>
-              <a:t>com.pluralsight.flightapp.Flight.</a:t>
+              <a:t>com.</a:t>
+            </a:r>
+            <a:r>
+              <a:rPr lang="en-US" spc="-5" dirty="0">
+                <a:solidFill>
+                  <a:srgbClr val="FFFFFF"/>
+                </a:solidFill>
+              </a:rPr>
+              <a:t>mycompany</a:t>
+            </a:r>
+            <a:r>
+              <a:rPr spc="-5" dirty="0">
+                <a:solidFill>
+                  <a:srgbClr val="FFFFFF"/>
+                </a:solidFill>
+              </a:rPr>
+              <a:t>.flightapp.Flight.</a:t>
             </a:r>
             <a:r>
               <a:rPr spc="-5" dirty="0"/>
@@ -7148,11 +7234,6 @@
               </a:rPr>
               <a:t>;</a:t>
             </a:r>
-            <a:endParaRPr spc="-5" dirty="0">
-              <a:solidFill>
-                <a:srgbClr val="FFFFFF"/>
-              </a:solidFill>
-            </a:endParaRPr>
           </a:p>
           <a:p>
             <a:pPr marL="12700">
@@ -7193,10 +7274,34 @@
                   <a:srgbClr val="FFFFFF"/>
                 </a:solidFill>
               </a:rPr>
-              <a:t>com.pluralsight.flightapp.Flight.</a:t>
-            </a:r>
-            <a:r>
-              <a:rPr spc="-5" dirty="0"/>
+              <a:t>com.</a:t>
+            </a:r>
+            <a:r>
+              <a:rPr lang="en-US" spc="-5" dirty="0">
+                <a:solidFill>
+                  <a:srgbClr val="FFFFFF"/>
+                </a:solidFill>
+              </a:rPr>
+              <a:t> </a:t>
+            </a:r>
+            <a:r>
+              <a:rPr lang="en-US" spc="-5" dirty="0" err="1">
+                <a:solidFill>
+                  <a:srgbClr val="FFFFFF"/>
+                </a:solidFill>
+              </a:rPr>
+              <a:t>mycompany</a:t>
+            </a:r>
+            <a:r>
+              <a:rPr spc="-5" dirty="0" err="1">
+                <a:solidFill>
+                  <a:srgbClr val="FFFFFF"/>
+                </a:solidFill>
+              </a:rPr>
+              <a:t>.flightapp.Flight.</a:t>
+            </a:r>
+            <a:r>
+              <a:rPr spc="-5" dirty="0" err="1"/>
               <a:t>getAllPassengers</a:t>
             </a:r>
             <a:r>
@@ -7207,11 +7312,6 @@
               </a:rPr>
               <a:t>;</a:t>
             </a:r>
-            <a:endParaRPr spc="-5" dirty="0">
-              <a:solidFill>
-                <a:srgbClr val="FFFFFF"/>
-              </a:solidFill>
-            </a:endParaRPr>
           </a:p>
         </p:txBody>
       </p:sp>
@@ -7694,7 +7794,9 @@
           <p:txBody>
             <a:bodyPr wrap="square" lIns="0" tIns="0" rIns="0" bIns="0" rtlCol="0"/>
             <a:lstStyle/>
-            <a:p/>
+            <a:p>
+              <a:endParaRPr/>
+            </a:p>
           </p:txBody>
         </p:sp>
         <p:sp>
@@ -7744,7 +7846,9 @@
           <p:txBody>
             <a:bodyPr wrap="square" lIns="0" tIns="0" rIns="0" bIns="0" rtlCol="0"/>
             <a:lstStyle/>
-            <a:p/>
+            <a:p>
+              <a:endParaRPr/>
+            </a:p>
           </p:txBody>
         </p:sp>
       </p:grpSp>
@@ -7761,9 +7865,11 @@
         <p:spPr/>
         <p:txBody>
           <a:bodyPr/>
+          <a:lstStyle/>
           <a:p>
             <a:fld id="{B6F15528-21DE-4FAA-801E-634DDDAF4B2B}" type="slidenum">
               <a:rPr/>
+              <a:t>16</a:t>
             </a:fld>
             <a:endParaRPr/>
           </a:p>
@@ -7807,7 +7913,7 @@
         <p:spPr>
           <a:xfrm>
             <a:off x="272372" y="896566"/>
-            <a:ext cx="10229215" cy="995680"/>
+            <a:ext cx="10229215" cy="330860"/>
           </a:xfrm>
           <a:prstGeom prst="rect">
             <a:avLst/>
@@ -7860,12 +7966,36 @@
               <a:t> </a:t>
             </a:r>
             <a:r>
+              <a:rPr spc="-5" dirty="0" err="1">
+                <a:solidFill>
+                  <a:srgbClr val="FFFFFF"/>
+                </a:solidFill>
+              </a:rPr>
+              <a:t>com.</a:t>
+            </a:r>
+            <a:r>
+              <a:rPr lang="en-US" spc="-5" dirty="0" err="1">
+                <a:solidFill>
+                  <a:srgbClr val="FFFFFF"/>
+                </a:solidFill>
+              </a:rPr>
+              <a:t>mycompany</a:t>
+            </a:r>
+            <a:r>
+              <a:rPr spc="-5" dirty="0" err="1">
+                <a:solidFill>
+                  <a:srgbClr val="FFFFFF"/>
+                </a:solidFill>
+              </a:rPr>
+              <a:t>.flightapp.Flight</a:t>
+            </a:r>
+            <a:r>
               <a:rPr spc="-5" dirty="0">
                 <a:solidFill>
                   <a:srgbClr val="FFFFFF"/>
                 </a:solidFill>
               </a:rPr>
-              <a:t>com.pluralsight.flightapp.Flight.</a:t>
+              <a:t>.</a:t>
             </a:r>
             <a:r>
               <a:rPr spc="-5" dirty="0"/>
@@ -7879,11 +8009,6 @@
               </a:rPr>
               <a:t>;</a:t>
             </a:r>
-            <a:endParaRPr spc="-5" dirty="0">
-              <a:solidFill>
-                <a:srgbClr val="FFFFFF"/>
-              </a:solidFill>
-            </a:endParaRPr>
           </a:p>
         </p:txBody>
       </p:sp>
@@ -8318,9 +8443,11 @@
         <p:spPr/>
         <p:txBody>
           <a:bodyPr/>
+          <a:lstStyle/>
           <a:p>
             <a:fld id="{B6F15528-21DE-4FAA-801E-634DDDAF4B2B}" type="slidenum">
               <a:rPr/>
+              <a:t>17</a:t>
             </a:fld>
             <a:endParaRPr/>
           </a:p>
@@ -8388,7 +8515,9 @@
         <p:txBody>
           <a:bodyPr wrap="square" lIns="0" tIns="0" rIns="0" bIns="0" rtlCol="0"/>
           <a:lstStyle/>
-          <a:p/>
+          <a:p>
+            <a:endParaRPr/>
+          </a:p>
         </p:txBody>
       </p:sp>
       <p:sp>
@@ -8538,7 +8667,6 @@
               <a:rPr spc="20" dirty="0"/>
               <a:t>initialization</a:t>
             </a:r>
-            <a:endParaRPr spc="20" dirty="0"/>
           </a:p>
           <a:p>
             <a:pPr marL="4812665" indent="-289560">
@@ -8592,7 +8720,6 @@
               <a:rPr spc="-40" dirty="0"/>
               <a:t>use</a:t>
             </a:r>
-            <a:endParaRPr spc="-40" dirty="0"/>
           </a:p>
           <a:p>
             <a:pPr marL="4812665" indent="-289560">
@@ -8654,7 +8781,6 @@
               <a:rPr dirty="0"/>
               <a:t>only</a:t>
             </a:r>
-            <a:endParaRPr dirty="0"/>
           </a:p>
           <a:p>
             <a:pPr marL="4271010">
@@ -8722,7 +8848,6 @@
               <a:rPr dirty="0"/>
               <a:t>brackets</a:t>
             </a:r>
-            <a:endParaRPr dirty="0"/>
           </a:p>
           <a:p>
             <a:pPr marL="4812665" indent="-289560">
@@ -8768,7 +8893,6 @@
               <a:rPr spc="-15" dirty="0"/>
               <a:t>keyword</a:t>
             </a:r>
-            <a:endParaRPr spc="-15" dirty="0"/>
           </a:p>
           <a:p>
             <a:pPr marL="4812665" indent="-289560">
@@ -8830,7 +8954,6 @@
               <a:rPr spc="10" dirty="0"/>
               <a:t>constructor</a:t>
             </a:r>
-            <a:endParaRPr spc="10" dirty="0"/>
           </a:p>
         </p:txBody>
       </p:sp>
@@ -8841,7 +8964,7 @@
           <p:nvPr/>
         </p:nvPicPr>
         <p:blipFill>
-          <a:blip r:embed="rId1" cstate="print"/>
+          <a:blip r:embed="rId2" cstate="print"/>
           <a:stretch>
             <a:fillRect/>
           </a:stretch>
@@ -8869,9 +8992,11 @@
         <p:spPr/>
         <p:txBody>
           <a:bodyPr/>
+          <a:lstStyle/>
           <a:p>
             <a:fld id="{B6F15528-21DE-4FAA-801E-634DDDAF4B2B}" type="slidenum">
               <a:rPr/>
+              <a:t>18</a:t>
             </a:fld>
             <a:endParaRPr/>
           </a:p>
@@ -8991,11 +9116,6 @@
               </a:rPr>
               <a:t>{</a:t>
             </a:r>
-            <a:endParaRPr dirty="0">
-              <a:solidFill>
-                <a:srgbClr val="F2F2F2"/>
-              </a:solidFill>
-            </a:endParaRPr>
           </a:p>
         </p:txBody>
       </p:sp>
@@ -9606,9 +9726,11 @@
         <p:spPr/>
         <p:txBody>
           <a:bodyPr/>
+          <a:lstStyle/>
           <a:p>
             <a:fld id="{B6F15528-21DE-4FAA-801E-634DDDAF4B2B}" type="slidenum">
               <a:rPr/>
+              <a:t>19</a:t>
             </a:fld>
             <a:endParaRPr/>
           </a:p>
@@ -9646,7 +9768,7 @@
           <p:nvPr/>
         </p:nvPicPr>
         <p:blipFill>
-          <a:blip r:embed="rId1" cstate="print"/>
+          <a:blip r:embed="rId2" cstate="print"/>
           <a:stretch>
             <a:fillRect/>
           </a:stretch>
@@ -10024,9 +10146,11 @@
         <p:spPr/>
         <p:txBody>
           <a:bodyPr/>
+          <a:lstStyle/>
           <a:p>
             <a:fld id="{B6F15528-21DE-4FAA-801E-634DDDAF4B2B}" type="slidenum">
               <a:rPr/>
+              <a:t>2</a:t>
             </a:fld>
             <a:endParaRPr/>
           </a:p>
@@ -10146,11 +10270,6 @@
               </a:rPr>
               <a:t>{</a:t>
             </a:r>
-            <a:endParaRPr dirty="0">
-              <a:solidFill>
-                <a:srgbClr val="F2F2F2"/>
-              </a:solidFill>
-            </a:endParaRPr>
           </a:p>
         </p:txBody>
       </p:sp>
@@ -10164,7 +10283,7 @@
         </p:nvGraphicFramePr>
         <p:xfrm>
           <a:off x="943610" y="1745525"/>
-          <a:ext cx="3721735" cy="1402080"/>
+          <a:ext cx="3721735" cy="1401786"/>
         </p:xfrm>
         <a:graphic>
           <a:graphicData uri="http://schemas.openxmlformats.org/drawingml/2006/table">
@@ -10173,9 +10292,27 @@
                 <a:tableStyleId>{2D5ABB26-0587-4C30-8999-92F81FD0307C}</a:tableStyleId>
               </a:tblPr>
               <a:tblGrid>
-                <a:gridCol w="2393950"/>
-                <a:gridCol w="1066800"/>
-                <a:gridCol w="260985"/>
+                <a:gridCol w="2393950">
+                  <a:extLst>
+                    <a:ext uri="{9D8B030D-6E8A-4147-A177-3AD203B41FA5}">
+                      <a16:colId xmlns:a16="http://schemas.microsoft.com/office/drawing/2014/main" val="20000"/>
+                    </a:ext>
+                  </a:extLst>
+                </a:gridCol>
+                <a:gridCol w="1066800">
+                  <a:extLst>
+                    <a:ext uri="{9D8B030D-6E8A-4147-A177-3AD203B41FA5}">
+                      <a16:colId xmlns:a16="http://schemas.microsoft.com/office/drawing/2014/main" val="20001"/>
+                    </a:ext>
+                  </a:extLst>
+                </a:gridCol>
+                <a:gridCol w="260985">
+                  <a:extLst>
+                    <a:ext uri="{9D8B030D-6E8A-4147-A177-3AD203B41FA5}">
+                      <a16:colId xmlns:a16="http://schemas.microsoft.com/office/drawing/2014/main" val="20002"/>
+                    </a:ext>
+                  </a:extLst>
+                </a:gridCol>
               </a:tblGrid>
               <a:tr h="434193">
                 <a:tc>
@@ -10303,6 +10440,11 @@
                     </a:solidFill>
                   </a:tcPr>
                 </a:tc>
+                <a:extLst>
+                  <a:ext uri="{0D108BD9-81ED-4DB2-BD59-A6C34878D82A}">
+                    <a16:rowId xmlns:a16="http://schemas.microsoft.com/office/drawing/2014/main" val="10000"/>
+                  </a:ext>
+                </a:extLst>
               </a:tr>
               <a:tr h="533400">
                 <a:tc>
@@ -10417,6 +10559,11 @@
                     </a:solidFill>
                   </a:tcPr>
                 </a:tc>
+                <a:extLst>
+                  <a:ext uri="{0D108BD9-81ED-4DB2-BD59-A6C34878D82A}">
+                    <a16:rowId xmlns:a16="http://schemas.microsoft.com/office/drawing/2014/main" val="10001"/>
+                  </a:ext>
+                </a:extLst>
               </a:tr>
               <a:tr h="434193">
                 <a:tc>
@@ -10531,6 +10678,11 @@
                     </a:solidFill>
                   </a:tcPr>
                 </a:tc>
+                <a:extLst>
+                  <a:ext uri="{0D108BD9-81ED-4DB2-BD59-A6C34878D82A}">
+                    <a16:rowId xmlns:a16="http://schemas.microsoft.com/office/drawing/2014/main" val="10002"/>
+                  </a:ext>
+                </a:extLst>
               </a:tr>
             </a:tbl>
           </a:graphicData>
@@ -10784,9 +10936,11 @@
         <p:spPr/>
         <p:txBody>
           <a:bodyPr/>
+          <a:lstStyle/>
           <a:p>
             <a:fld id="{B6F15528-21DE-4FAA-801E-634DDDAF4B2B}" type="slidenum">
               <a:rPr/>
+              <a:t>20</a:t>
             </a:fld>
             <a:endParaRPr/>
           </a:p>
@@ -10906,11 +11060,6 @@
               </a:rPr>
               <a:t>{</a:t>
             </a:r>
-            <a:endParaRPr dirty="0">
-              <a:solidFill>
-                <a:srgbClr val="F2F2F2"/>
-              </a:solidFill>
-            </a:endParaRPr>
           </a:p>
           <a:p>
             <a:pPr marL="622300" marR="5080" indent="-304800">
@@ -11002,11 +11151,6 @@
               </a:rPr>
               <a:t>+= 1;</a:t>
             </a:r>
-            <a:endParaRPr spc="-5" dirty="0">
-              <a:solidFill>
-                <a:srgbClr val="F2F2F2"/>
-              </a:solidFill>
-            </a:endParaRPr>
           </a:p>
         </p:txBody>
       </p:sp>
@@ -11322,9 +11466,11 @@
         <p:spPr/>
         <p:txBody>
           <a:bodyPr/>
+          <a:lstStyle/>
           <a:p>
             <a:fld id="{B6F15528-21DE-4FAA-801E-634DDDAF4B2B}" type="slidenum">
               <a:rPr/>
+              <a:t>21</a:t>
             </a:fld>
             <a:endParaRPr/>
           </a:p>
@@ -11362,7 +11508,7 @@
           <p:nvPr/>
         </p:nvPicPr>
         <p:blipFill>
-          <a:blip r:embed="rId1" cstate="print"/>
+          <a:blip r:embed="rId2" cstate="print"/>
           <a:stretch>
             <a:fillRect/>
           </a:stretch>
@@ -11668,9 +11814,11 @@
         <p:spPr/>
         <p:txBody>
           <a:bodyPr/>
+          <a:lstStyle/>
           <a:p>
             <a:fld id="{B6F15528-21DE-4FAA-801E-634DDDAF4B2B}" type="slidenum">
               <a:rPr/>
+              <a:t>22</a:t>
             </a:fld>
             <a:endParaRPr/>
           </a:p>
@@ -11708,7 +11856,7 @@
           <p:nvPr/>
         </p:nvPicPr>
         <p:blipFill>
-          <a:blip r:embed="rId1" cstate="print"/>
+          <a:blip r:embed="rId2" cstate="print"/>
           <a:stretch>
             <a:fillRect/>
           </a:stretch>
@@ -12464,9 +12612,11 @@
         <p:spPr/>
         <p:txBody>
           <a:bodyPr/>
+          <a:lstStyle/>
           <a:p>
             <a:fld id="{B6F15528-21DE-4FAA-801E-634DDDAF4B2B}" type="slidenum">
               <a:rPr/>
+              <a:t>23</a:t>
             </a:fld>
             <a:endParaRPr/>
           </a:p>
@@ -12504,7 +12654,7 @@
           <p:nvPr/>
         </p:nvPicPr>
         <p:blipFill>
-          <a:blip r:embed="rId1" cstate="print"/>
+          <a:blip r:embed="rId2" cstate="print"/>
           <a:stretch>
             <a:fillRect/>
           </a:stretch>
@@ -13175,9 +13325,11 @@
         <p:spPr/>
         <p:txBody>
           <a:bodyPr/>
+          <a:lstStyle/>
           <a:p>
             <a:fld id="{B6F15528-21DE-4FAA-801E-634DDDAF4B2B}" type="slidenum">
               <a:rPr/>
+              <a:t>24</a:t>
             </a:fld>
             <a:endParaRPr/>
           </a:p>
@@ -13245,7 +13397,9 @@
         <p:txBody>
           <a:bodyPr wrap="square" lIns="0" tIns="0" rIns="0" bIns="0" rtlCol="0"/>
           <a:lstStyle/>
-          <a:p/>
+          <a:p>
+            <a:endParaRPr/>
+          </a:p>
         </p:txBody>
       </p:sp>
       <p:sp>
@@ -13929,9 +14083,11 @@
         <p:spPr/>
         <p:txBody>
           <a:bodyPr/>
+          <a:lstStyle/>
           <a:p>
             <a:fld id="{B6F15528-21DE-4FAA-801E-634DDDAF4B2B}" type="slidenum">
               <a:rPr/>
+              <a:t>3</a:t>
             </a:fld>
             <a:endParaRPr/>
           </a:p>
@@ -13969,7 +14125,7 @@
           <p:nvPr/>
         </p:nvPicPr>
         <p:blipFill>
-          <a:blip r:embed="rId1" cstate="print"/>
+          <a:blip r:embed="rId2" cstate="print"/>
           <a:stretch>
             <a:fillRect/>
           </a:stretch>
@@ -14401,9 +14557,11 @@
         <p:spPr/>
         <p:txBody>
           <a:bodyPr/>
+          <a:lstStyle/>
           <a:p>
             <a:fld id="{B6F15528-21DE-4FAA-801E-634DDDAF4B2B}" type="slidenum">
               <a:rPr/>
+              <a:t>4</a:t>
             </a:fld>
             <a:endParaRPr/>
           </a:p>
@@ -14523,11 +14681,6 @@
               </a:rPr>
               <a:t>{</a:t>
             </a:r>
-            <a:endParaRPr dirty="0">
-              <a:solidFill>
-                <a:srgbClr val="F2F2F2"/>
-              </a:solidFill>
-            </a:endParaRPr>
           </a:p>
           <a:p>
             <a:pPr marL="316865" marR="5080">
@@ -14643,11 +14796,6 @@
               </a:rPr>
               <a:t>{</a:t>
             </a:r>
-            <a:endParaRPr dirty="0">
-              <a:solidFill>
-                <a:srgbClr val="F2F2F2"/>
-              </a:solidFill>
-            </a:endParaRPr>
           </a:p>
         </p:txBody>
       </p:sp>
@@ -14661,7 +14809,7 @@
         </p:nvGraphicFramePr>
         <p:xfrm>
           <a:off x="943610" y="2925101"/>
-          <a:ext cx="3721735" cy="1402080"/>
+          <a:ext cx="3721735" cy="1401786"/>
         </p:xfrm>
         <a:graphic>
           <a:graphicData uri="http://schemas.openxmlformats.org/drawingml/2006/table">
@@ -14670,9 +14818,27 @@
                 <a:tableStyleId>{2D5ABB26-0587-4C30-8999-92F81FD0307C}</a:tableStyleId>
               </a:tblPr>
               <a:tblGrid>
-                <a:gridCol w="2393950"/>
-                <a:gridCol w="1066800"/>
-                <a:gridCol w="260985"/>
+                <a:gridCol w="2393950">
+                  <a:extLst>
+                    <a:ext uri="{9D8B030D-6E8A-4147-A177-3AD203B41FA5}">
+                      <a16:colId xmlns:a16="http://schemas.microsoft.com/office/drawing/2014/main" val="20000"/>
+                    </a:ext>
+                  </a:extLst>
+                </a:gridCol>
+                <a:gridCol w="1066800">
+                  <a:extLst>
+                    <a:ext uri="{9D8B030D-6E8A-4147-A177-3AD203B41FA5}">
+                      <a16:colId xmlns:a16="http://schemas.microsoft.com/office/drawing/2014/main" val="20001"/>
+                    </a:ext>
+                  </a:extLst>
+                </a:gridCol>
+                <a:gridCol w="260985">
+                  <a:extLst>
+                    <a:ext uri="{9D8B030D-6E8A-4147-A177-3AD203B41FA5}">
+                      <a16:colId xmlns:a16="http://schemas.microsoft.com/office/drawing/2014/main" val="20002"/>
+                    </a:ext>
+                  </a:extLst>
+                </a:gridCol>
               </a:tblGrid>
               <a:tr h="434193">
                 <a:tc>
@@ -14800,6 +14966,11 @@
                     </a:solidFill>
                   </a:tcPr>
                 </a:tc>
+                <a:extLst>
+                  <a:ext uri="{0D108BD9-81ED-4DB2-BD59-A6C34878D82A}">
+                    <a16:rowId xmlns:a16="http://schemas.microsoft.com/office/drawing/2014/main" val="10000"/>
+                  </a:ext>
+                </a:extLst>
               </a:tr>
               <a:tr h="533400">
                 <a:tc>
@@ -14914,6 +15085,11 @@
                     </a:solidFill>
                   </a:tcPr>
                 </a:tc>
+                <a:extLst>
+                  <a:ext uri="{0D108BD9-81ED-4DB2-BD59-A6C34878D82A}">
+                    <a16:rowId xmlns:a16="http://schemas.microsoft.com/office/drawing/2014/main" val="10001"/>
+                  </a:ext>
+                </a:extLst>
               </a:tr>
               <a:tr h="434193">
                 <a:tc>
@@ -15028,6 +15204,11 @@
                     </a:solidFill>
                   </a:tcPr>
                 </a:tc>
+                <a:extLst>
+                  <a:ext uri="{0D108BD9-81ED-4DB2-BD59-A6C34878D82A}">
+                    <a16:rowId xmlns:a16="http://schemas.microsoft.com/office/drawing/2014/main" val="10002"/>
+                  </a:ext>
+                </a:extLst>
               </a:tr>
             </a:tbl>
           </a:graphicData>
@@ -15270,9 +15451,11 @@
         <p:spPr/>
         <p:txBody>
           <a:bodyPr/>
+          <a:lstStyle/>
           <a:p>
             <a:fld id="{B6F15528-21DE-4FAA-801E-634DDDAF4B2B}" type="slidenum">
               <a:rPr/>
+              <a:t>5</a:t>
             </a:fld>
             <a:endParaRPr/>
           </a:p>
@@ -15310,7 +15493,7 @@
           <p:nvPr/>
         </p:nvPicPr>
         <p:blipFill>
-          <a:blip r:embed="rId1" cstate="print"/>
+          <a:blip r:embed="rId2" cstate="print"/>
           <a:stretch>
             <a:fillRect/>
           </a:stretch>
@@ -16020,7 +16203,7 @@
           <p:nvPr/>
         </p:nvPicPr>
         <p:blipFill>
-          <a:blip r:embed="rId2" cstate="print"/>
+          <a:blip r:embed="rId3" cstate="print"/>
           <a:stretch>
             <a:fillRect/>
           </a:stretch>
@@ -16118,9 +16301,11 @@
         <p:spPr/>
         <p:txBody>
           <a:bodyPr/>
+          <a:lstStyle/>
           <a:p>
             <a:fld id="{B6F15528-21DE-4FAA-801E-634DDDAF4B2B}" type="slidenum">
               <a:rPr/>
+              <a:t>6</a:t>
             </a:fld>
             <a:endParaRPr/>
           </a:p>
@@ -16240,11 +16425,6 @@
               </a:rPr>
               <a:t>{</a:t>
             </a:r>
-            <a:endParaRPr dirty="0">
-              <a:solidFill>
-                <a:srgbClr val="F2F2F2"/>
-              </a:solidFill>
-            </a:endParaRPr>
           </a:p>
           <a:p>
             <a:pPr marL="316865" marR="5080">
@@ -16392,11 +16572,6 @@
               </a:rPr>
               <a:t>{</a:t>
             </a:r>
-            <a:endParaRPr dirty="0">
-              <a:solidFill>
-                <a:srgbClr val="FFFFFF"/>
-              </a:solidFill>
-            </a:endParaRPr>
           </a:p>
         </p:txBody>
       </p:sp>
@@ -16822,9 +16997,11 @@
         <p:spPr/>
         <p:txBody>
           <a:bodyPr/>
+          <a:lstStyle/>
           <a:p>
             <a:fld id="{B6F15528-21DE-4FAA-801E-634DDDAF4B2B}" type="slidenum">
               <a:rPr/>
+              <a:t>7</a:t>
             </a:fld>
             <a:endParaRPr/>
           </a:p>
@@ -17320,7 +17497,9 @@
           <p:txBody>
             <a:bodyPr wrap="square" lIns="0" tIns="0" rIns="0" bIns="0" rtlCol="0"/>
             <a:lstStyle/>
-            <a:p/>
+            <a:p>
+              <a:endParaRPr/>
+            </a:p>
           </p:txBody>
         </p:sp>
         <p:sp>
@@ -17368,7 +17547,9 @@
           <p:txBody>
             <a:bodyPr wrap="square" lIns="0" tIns="0" rIns="0" bIns="0" rtlCol="0"/>
             <a:lstStyle/>
-            <a:p/>
+            <a:p>
+              <a:endParaRPr/>
+            </a:p>
           </p:txBody>
         </p:sp>
         <p:sp>
@@ -17418,7 +17599,9 @@
           <p:txBody>
             <a:bodyPr wrap="square" lIns="0" tIns="0" rIns="0" bIns="0" rtlCol="0"/>
             <a:lstStyle/>
-            <a:p/>
+            <a:p>
+              <a:endParaRPr/>
+            </a:p>
           </p:txBody>
         </p:sp>
       </p:grpSp>
@@ -17723,7 +17906,9 @@
         <p:txBody>
           <a:bodyPr wrap="square" lIns="0" tIns="0" rIns="0" bIns="0" rtlCol="0"/>
           <a:lstStyle/>
-          <a:p/>
+          <a:p>
+            <a:endParaRPr/>
+          </a:p>
         </p:txBody>
       </p:sp>
       <p:sp>
@@ -17985,7 +18170,9 @@
           <p:txBody>
             <a:bodyPr wrap="square" lIns="0" tIns="0" rIns="0" bIns="0" rtlCol="0"/>
             <a:lstStyle/>
-            <a:p/>
+            <a:p>
+              <a:endParaRPr/>
+            </a:p>
           </p:txBody>
         </p:sp>
         <p:sp>
@@ -18035,7 +18222,9 @@
           <p:txBody>
             <a:bodyPr wrap="square" lIns="0" tIns="0" rIns="0" bIns="0" rtlCol="0"/>
             <a:lstStyle/>
-            <a:p/>
+            <a:p>
+              <a:endParaRPr/>
+            </a:p>
           </p:txBody>
         </p:sp>
         <p:sp>
@@ -18245,7 +18434,9 @@
           <p:txBody>
             <a:bodyPr wrap="square" lIns="0" tIns="0" rIns="0" bIns="0" rtlCol="0"/>
             <a:lstStyle/>
-            <a:p/>
+            <a:p>
+              <a:endParaRPr/>
+            </a:p>
           </p:txBody>
         </p:sp>
       </p:grpSp>
@@ -18354,7 +18545,9 @@
           <p:txBody>
             <a:bodyPr wrap="square" lIns="0" tIns="0" rIns="0" bIns="0" rtlCol="0"/>
             <a:lstStyle/>
-            <a:p/>
+            <a:p>
+              <a:endParaRPr/>
+            </a:p>
           </p:txBody>
         </p:sp>
         <p:sp>
@@ -18404,7 +18597,9 @@
           <p:txBody>
             <a:bodyPr wrap="square" lIns="0" tIns="0" rIns="0" bIns="0" rtlCol="0"/>
             <a:lstStyle/>
-            <a:p/>
+            <a:p>
+              <a:endParaRPr/>
+            </a:p>
           </p:txBody>
         </p:sp>
         <p:sp>
@@ -18614,7 +18809,9 @@
           <p:txBody>
             <a:bodyPr wrap="square" lIns="0" tIns="0" rIns="0" bIns="0" rtlCol="0"/>
             <a:lstStyle/>
-            <a:p/>
+            <a:p>
+              <a:endParaRPr/>
+            </a:p>
           </p:txBody>
         </p:sp>
       </p:grpSp>
@@ -18655,17 +18852,7 @@
                 <a:latin typeface="Courier New" panose="02070309020205020404"/>
                 <a:cs typeface="Courier New" panose="02070309020205020404"/>
               </a:rPr>
-              <a:t>df</a:t>
-            </a:r>
-            <a:r>
-              <a:rPr sz="2000" spc="-5" dirty="0">
-                <a:solidFill>
-                  <a:srgbClr val="2A9FBC"/>
-                </a:solidFill>
-                <a:latin typeface="Courier New" panose="02070309020205020404"/>
-                <a:cs typeface="Courier New" panose="02070309020205020404"/>
-              </a:rPr>
-              <a:t>wToNyc</a:t>
+              <a:t>dfwToNyc</a:t>
             </a:r>
             <a:endParaRPr sz="2000">
               <a:latin typeface="Courier New" panose="02070309020205020404"/>
@@ -18707,7 +18894,6 @@
               <a:rPr spc="-5" dirty="0"/>
               <a:t>Flight.allPassengers</a:t>
             </a:r>
-            <a:endParaRPr spc="-5" dirty="0"/>
           </a:p>
         </p:txBody>
       </p:sp>
@@ -18778,9 +18964,11 @@
         <p:spPr/>
         <p:txBody>
           <a:bodyPr/>
+          <a:lstStyle/>
           <a:p>
             <a:fld id="{B6F15528-21DE-4FAA-801E-634DDDAF4B2B}" type="slidenum">
               <a:rPr/>
+              <a:t>8</a:t>
             </a:fld>
             <a:endParaRPr/>
           </a:p>
@@ -18803,7 +18991,14 @@
         <p:cNvGrpSpPr/>
         <p:nvPr/>
       </p:nvGrpSpPr>
-      <p:grpSpPr/>
+      <p:grpSpPr>
+        <a:xfrm>
+          <a:off x="0" y="0"/>
+          <a:ext cx="0" cy="0"/>
+          <a:chOff x="0" y="0"/>
+          <a:chExt cx="0" cy="0"/>
+        </a:xfrm>
+      </p:grpSpPr>
       <p:sp>
         <p:nvSpPr>
           <p:cNvPr id="6" name="Title 5"/>
@@ -18817,6 +19012,7 @@
         <p:spPr/>
         <p:txBody>
           <a:bodyPr/>
+          <a:lstStyle/>
           <a:p>
             <a:endParaRPr lang="en-US"/>
           </a:p>
@@ -18835,29 +19031,13 @@
         <p:spPr/>
         <p:txBody>
           <a:bodyPr/>
+          <a:lstStyle/>
           <a:p>
             <a:fld id="{B6F15528-21DE-4FAA-801E-634DDDAF4B2B}" type="slidenum">
               <a:rPr/>
+              <a:t>9</a:t>
             </a:fld>
             <a:endParaRPr/>
-          </a:p>
-        </p:txBody>
-      </p:sp>
-      <p:sp>
-        <p:nvSpPr>
-          <p:cNvPr id="7" name="Content Placeholder 6"/>
-          <p:cNvSpPr>
-            <a:spLocks noGrp="1"/>
-          </p:cNvSpPr>
-          <p:nvPr>
-            <p:ph sz="half" idx="3"/>
-          </p:nvPr>
-        </p:nvSpPr>
-        <p:spPr/>
-        <p:txBody>
-          <a:bodyPr/>
-          <a:p>
-            <a:endParaRPr lang="en-US"/>
           </a:p>
         </p:txBody>
       </p:sp>
@@ -18865,14 +19045,14 @@
         <p:nvPicPr>
           <p:cNvPr id="5" name="Content Placeholder 4"/>
           <p:cNvPicPr>
-            <a:picLocks noChangeAspect="1"/>
+            <a:picLocks noGrp="1" noChangeAspect="1"/>
           </p:cNvPicPr>
           <p:nvPr>
             <p:ph sz="half" idx="2"/>
           </p:nvPr>
         </p:nvPicPr>
         <p:blipFill>
-          <a:blip r:embed="rId1"/>
+          <a:blip r:embed="rId2"/>
           <a:stretch>
             <a:fillRect/>
           </a:stretch>
@@ -19173,6 +19353,8 @@
       </a:bgFillStyleLst>
     </a:fmtScheme>
   </a:themeElements>
+  <a:objectDefaults/>
+  <a:extraClrSchemeLst/>
   <a:extLst>
     <a:ext uri="{05A4C25C-085E-4340-85A3-A5531E510DB2}">
       <thm15:themeFamily xmlns:thm15="http://schemas.microsoft.com/office/thememl/2012/main" name="Office Theme" id="{62F939B6-93AF-4DB8-9C6B-D6C7DFDC589F}" vid="{4A3C46E8-61CC-4603-A589-7422A47A8E4A}"/>
@@ -19432,6 +19614,8 @@
       </a:bgFillStyleLst>
     </a:fmtScheme>
   </a:themeElements>
+  <a:objectDefaults/>
+  <a:extraClrSchemeLst/>
   <a:extLst>
     <a:ext uri="{05A4C25C-085E-4340-85A3-A5531E510DB2}">
       <thm15:themeFamily xmlns:thm15="http://schemas.microsoft.com/office/thememl/2012/main" name="Office Theme" id="{62F939B6-93AF-4DB8-9C6B-D6C7DFDC589F}" vid="{4A3C46E8-61CC-4603-A589-7422A47A8E4A}"/>
